--- a/5 - Multiple Linear Regression/Coefficient of Determination.pptx
+++ b/5 - Multiple Linear Regression/Coefficient of Determination.pptx
@@ -2590,7 +2590,7 @@
           <a:p>
             <a:fld id="{F666E1FD-E7A0-497B-BBC0-740BAAC97C64}" type="datetimeFigureOut">
               <a:rPr lang="en-PH" smtClean="0"/>
-              <a:t>17/09/2023</a:t>
+              <a:t>9/18/23</a:t>
             </a:fld>
             <a:endParaRPr lang="en-PH"/>
           </a:p>
@@ -4015,7 +4015,7 @@
           <a:p>
             <a:fld id="{0CCF0B81-6BD8-4C65-9459-815598C5F1F4}" type="datetimeFigureOut">
               <a:rPr lang="en-PH" smtClean="0"/>
-              <a:t>17/09/2023</a:t>
+              <a:t>9/18/23</a:t>
             </a:fld>
             <a:endParaRPr lang="en-PH"/>
           </a:p>
@@ -4215,7 +4215,7 @@
           <a:p>
             <a:fld id="{0CCF0B81-6BD8-4C65-9459-815598C5F1F4}" type="datetimeFigureOut">
               <a:rPr lang="en-PH" smtClean="0"/>
-              <a:t>17/09/2023</a:t>
+              <a:t>9/18/23</a:t>
             </a:fld>
             <a:endParaRPr lang="en-PH"/>
           </a:p>
@@ -4425,7 +4425,7 @@
           <a:p>
             <a:fld id="{0CCF0B81-6BD8-4C65-9459-815598C5F1F4}" type="datetimeFigureOut">
               <a:rPr lang="en-PH" smtClean="0"/>
-              <a:t>17/09/2023</a:t>
+              <a:t>9/18/23</a:t>
             </a:fld>
             <a:endParaRPr lang="en-PH"/>
           </a:p>
@@ -4625,7 +4625,7 @@
           <a:p>
             <a:fld id="{0CCF0B81-6BD8-4C65-9459-815598C5F1F4}" type="datetimeFigureOut">
               <a:rPr lang="en-PH" smtClean="0"/>
-              <a:t>17/09/2023</a:t>
+              <a:t>9/18/23</a:t>
             </a:fld>
             <a:endParaRPr lang="en-PH"/>
           </a:p>
@@ -4901,7 +4901,7 @@
           <a:p>
             <a:fld id="{0CCF0B81-6BD8-4C65-9459-815598C5F1F4}" type="datetimeFigureOut">
               <a:rPr lang="en-PH" smtClean="0"/>
-              <a:t>17/09/2023</a:t>
+              <a:t>9/18/23</a:t>
             </a:fld>
             <a:endParaRPr lang="en-PH"/>
           </a:p>
@@ -5169,7 +5169,7 @@
           <a:p>
             <a:fld id="{0CCF0B81-6BD8-4C65-9459-815598C5F1F4}" type="datetimeFigureOut">
               <a:rPr lang="en-PH" smtClean="0"/>
-              <a:t>17/09/2023</a:t>
+              <a:t>9/18/23</a:t>
             </a:fld>
             <a:endParaRPr lang="en-PH"/>
           </a:p>
@@ -5584,7 +5584,7 @@
           <a:p>
             <a:fld id="{0CCF0B81-6BD8-4C65-9459-815598C5F1F4}" type="datetimeFigureOut">
               <a:rPr lang="en-PH" smtClean="0"/>
-              <a:t>17/09/2023</a:t>
+              <a:t>9/18/23</a:t>
             </a:fld>
             <a:endParaRPr lang="en-PH"/>
           </a:p>
@@ -5726,7 +5726,7 @@
           <a:p>
             <a:fld id="{0CCF0B81-6BD8-4C65-9459-815598C5F1F4}" type="datetimeFigureOut">
               <a:rPr lang="en-PH" smtClean="0"/>
-              <a:t>17/09/2023</a:t>
+              <a:t>9/18/23</a:t>
             </a:fld>
             <a:endParaRPr lang="en-PH"/>
           </a:p>
@@ -5839,7 +5839,7 @@
           <a:p>
             <a:fld id="{0CCF0B81-6BD8-4C65-9459-815598C5F1F4}" type="datetimeFigureOut">
               <a:rPr lang="en-PH" smtClean="0"/>
-              <a:t>17/09/2023</a:t>
+              <a:t>9/18/23</a:t>
             </a:fld>
             <a:endParaRPr lang="en-PH"/>
           </a:p>
@@ -6152,7 +6152,7 @@
           <a:p>
             <a:fld id="{0CCF0B81-6BD8-4C65-9459-815598C5F1F4}" type="datetimeFigureOut">
               <a:rPr lang="en-PH" smtClean="0"/>
-              <a:t>17/09/2023</a:t>
+              <a:t>9/18/23</a:t>
             </a:fld>
             <a:endParaRPr lang="en-PH"/>
           </a:p>
@@ -6441,7 +6441,7 @@
           <a:p>
             <a:fld id="{0CCF0B81-6BD8-4C65-9459-815598C5F1F4}" type="datetimeFigureOut">
               <a:rPr lang="en-PH" smtClean="0"/>
-              <a:t>17/09/2023</a:t>
+              <a:t>9/18/23</a:t>
             </a:fld>
             <a:endParaRPr lang="en-PH"/>
           </a:p>
@@ -6684,7 +6684,7 @@
           <a:p>
             <a:fld id="{0CCF0B81-6BD8-4C65-9459-815598C5F1F4}" type="datetimeFigureOut">
               <a:rPr lang="en-PH" smtClean="0"/>
-              <a:t>17/09/2023</a:t>
+              <a:t>9/18/23</a:t>
             </a:fld>
             <a:endParaRPr lang="en-PH"/>
           </a:p>
@@ -7745,8 +7745,8 @@
           </p:sp>
         </mc:Fallback>
       </mc:AlternateContent>
-      <mc:AlternateContent xmlns:mc="http://schemas.openxmlformats.org/markup-compatibility/2006">
-        <mc:Choice xmlns:a14="http://schemas.microsoft.com/office/drawing/2010/main" Requires="a14">
+      <mc:AlternateContent xmlns:mc="http://schemas.openxmlformats.org/markup-compatibility/2006" xmlns:a14="http://schemas.microsoft.com/office/drawing/2010/main">
+        <mc:Choice Requires="a14">
           <p:sp>
             <p:nvSpPr>
               <p:cNvPr id="3" name="TextBox 2">
@@ -7920,7 +7920,7 @@
             </p:txBody>
           </p:sp>
         </mc:Choice>
-        <mc:Fallback>
+        <mc:Fallback xmlns="">
           <p:sp>
             <p:nvSpPr>
               <p:cNvPr id="3" name="TextBox 2">
@@ -11064,8 +11064,8 @@
           </a:p>
         </p:txBody>
       </p:sp>
-      <mc:AlternateContent xmlns:mc="http://schemas.openxmlformats.org/markup-compatibility/2006">
-        <mc:Choice xmlns:a14="http://schemas.microsoft.com/office/drawing/2010/main" Requires="a14">
+      <mc:AlternateContent xmlns:mc="http://schemas.openxmlformats.org/markup-compatibility/2006" xmlns:a14="http://schemas.microsoft.com/office/drawing/2010/main">
+        <mc:Choice Requires="a14">
           <p:sp>
             <p:nvSpPr>
               <p:cNvPr id="5" name="Title 1">
@@ -11322,7 +11322,7 @@
             </p:txBody>
           </p:sp>
         </mc:Choice>
-        <mc:Fallback>
+        <mc:Fallback xmlns="">
           <p:sp>
             <p:nvSpPr>
               <p:cNvPr id="5" name="Title 1">
@@ -17524,12 +17524,6 @@
 </file>
 
 <file path=customXml/item1.xml><?xml version="1.0" encoding="utf-8"?>
-<p:properties xmlns:p="http://schemas.microsoft.com/office/2006/metadata/properties" xmlns:xsi="http://www.w3.org/2001/XMLSchema-instance" xmlns:pc="http://schemas.microsoft.com/office/infopath/2007/PartnerControls">
-  <documentManagement/>
-</p:properties>
-</file>
-
-<file path=customXml/item2.xml><?xml version="1.0" encoding="utf-8"?>
 <ct:contentTypeSchema xmlns:ct="http://schemas.microsoft.com/office/2006/metadata/contentType" xmlns:ma="http://schemas.microsoft.com/office/2006/metadata/properties/metaAttributes" ct:_="" ma:_="" ma:contentTypeName="Document" ma:contentTypeID="0x0101007188BDCA587B344BBA6CB1A93FAE6998" ma:contentTypeVersion="2" ma:contentTypeDescription="Create a new document." ma:contentTypeScope="" ma:versionID="7a8e4b6720badb2566a0cfeddfaf2856">
   <xsd:schema xmlns:xsd="http://www.w3.org/2001/XMLSchema" xmlns:xs="http://www.w3.org/2001/XMLSchema" xmlns:p="http://schemas.microsoft.com/office/2006/metadata/properties" xmlns:ns2="ba111d12-426d-4af0-bcb6-460e36974645" targetNamespace="http://schemas.microsoft.com/office/2006/metadata/properties" ma:root="true" ma:fieldsID="989b05398519136c88ba0a8d54e3c3da" ns2:_="">
     <xsd:import namespace="ba111d12-426d-4af0-bcb6-460e36974645"/>
@@ -17661,6 +17655,12 @@
 </ct:contentTypeSchema>
 </file>
 
+<file path=customXml/item2.xml><?xml version="1.0" encoding="utf-8"?>
+<p:properties xmlns:p="http://schemas.microsoft.com/office/2006/metadata/properties" xmlns:xsi="http://www.w3.org/2001/XMLSchema-instance" xmlns:pc="http://schemas.microsoft.com/office/infopath/2007/PartnerControls">
+  <documentManagement/>
+</p:properties>
+</file>
+
 <file path=customXml/item3.xml><?xml version="1.0" encoding="utf-8"?>
 <?mso-contentType ?>
 <FormTemplates xmlns="http://schemas.microsoft.com/sharepoint/v3/contenttype/forms">
@@ -17671,15 +17671,6 @@
 </file>
 
 <file path=customXml/itemProps1.xml><?xml version="1.0" encoding="utf-8"?>
-<ds:datastoreItem xmlns:ds="http://schemas.openxmlformats.org/officeDocument/2006/customXml" ds:itemID="{7ACF14CA-9E7F-410C-99DF-E0FAFDE78C11}">
-  <ds:schemaRefs>
-    <ds:schemaRef ds:uri="http://schemas.microsoft.com/office/2006/metadata/properties"/>
-    <ds:schemaRef ds:uri="http://schemas.microsoft.com/office/infopath/2007/PartnerControls"/>
-  </ds:schemaRefs>
-</ds:datastoreItem>
-</file>
-
-<file path=customXml/itemProps2.xml><?xml version="1.0" encoding="utf-8"?>
 <ds:datastoreItem xmlns:ds="http://schemas.openxmlformats.org/officeDocument/2006/customXml" ds:itemID="{D622FF19-6ECD-4B79-A412-9430824D2BB6}">
   <ds:schemaRefs>
     <ds:schemaRef ds:uri="http://schemas.microsoft.com/office/2006/metadata/contentType"/>
@@ -17697,6 +17688,15 @@
 </ds:datastoreItem>
 </file>
 
+<file path=customXml/itemProps2.xml><?xml version="1.0" encoding="utf-8"?>
+<ds:datastoreItem xmlns:ds="http://schemas.openxmlformats.org/officeDocument/2006/customXml" ds:itemID="{7ACF14CA-9E7F-410C-99DF-E0FAFDE78C11}">
+  <ds:schemaRefs>
+    <ds:schemaRef ds:uri="http://schemas.microsoft.com/office/2006/metadata/properties"/>
+    <ds:schemaRef ds:uri="http://schemas.microsoft.com/office/infopath/2007/PartnerControls"/>
+  </ds:schemaRefs>
+</ds:datastoreItem>
+</file>
+
 <file path=customXml/itemProps3.xml><?xml version="1.0" encoding="utf-8"?>
 <ds:datastoreItem xmlns:ds="http://schemas.openxmlformats.org/officeDocument/2006/customXml" ds:itemID="{6C1A3F1B-CE3A-47AB-9F84-47E786467973}">
   <ds:schemaRefs>
